--- a/powerpoints/14-crowdsourcing-on-the-web.pptx
+++ b/powerpoints/14-crowdsourcing-on-the-web.pptx
@@ -5,7 +5,7 @@
     <p:sldMasterId id="2147483648" r:id="rId1"/>
   </p:sldMasterIdLst>
   <p:notesMasterIdLst>
-    <p:NotesMasterId r:id="rId13"/>
+    <p:NotesMasterId r:id="rId14"/>
   </p:notesMasterIdLst>
   <p:sldIdLst>
     <p:sldId id="256" r:id="rId2"/>
@@ -19,6 +19,7 @@
     <p:sldId id="264" r:id="rId10"/>
     <p:sldId id="265" r:id="rId11"/>
     <p:sldId id="266" r:id="rId12"/>
+    <p:sldId id="267" r:id="rId13"/>
   </p:sldIdLst>
   <p:sldSz cx="9144000" cy="6858000" type="screen4x3"/>
   <p:notesSz cx="6858000" cy="9144000"/>
@@ -14255,6 +14256,84 @@
 </p:sld>
 </file>
 
+<file path=ppt/slides/slide12.xml><?xml version="1.0" encoding="utf-8"?>
+<p:sld xmlns:a="http://schemas.openxmlformats.org/drawingml/2006/main" xmlns:r="http://schemas.openxmlformats.org/officeDocument/2006/relationships" xmlns:p="http://schemas.openxmlformats.org/presentationml/2006/main">
+  <p:cSld>
+    <p:spTree>
+      <p:nvGrpSpPr>
+        <p:cNvPr id="1" name=""/>
+        <p:cNvGrpSpPr/>
+        <p:nvPr/>
+      </p:nvGrpSpPr>
+      <p:grpSpPr>
+        <a:xfrm>
+          <a:off x="0" y="0"/>
+          <a:ext cx="0" cy="0"/>
+          <a:chOff x="0" y="0"/>
+          <a:chExt cx="0" cy="0"/>
+        </a:xfrm>
+      </p:grpSpPr>
+      <p:sp>
+        <p:nvSpPr>
+          <p:cNvPr id="2" name="Title 1"/>
+          <p:cNvSpPr>
+            <a:spLocks noGrp="1"/>
+          </p:cNvSpPr>
+          <p:nvPr>
+            <p:ph type="title"/>
+          </p:nvPr>
+        </p:nvSpPr>
+        <p:spPr/>
+        <p:txBody>
+          <a:bodyPr/>
+          <a:lstStyle/>
+          <a:p>
+            <a:pPr lvl="0" marL="0" indent="0">
+              <a:buNone/>
+            </a:pPr>
+            <a:r>
+              <a:rPr/>
+              <a:t>mozilla</a:t>
+            </a:r>
+          </a:p>
+        </p:txBody>
+      </p:sp>
+      <p:sp>
+        <p:nvSpPr>
+          <p:cNvPr id="3" name="Content Placeholder 2"/>
+          <p:cNvSpPr>
+            <a:spLocks noGrp="1"/>
+          </p:cNvSpPr>
+          <p:nvPr>
+            <p:ph idx="1"/>
+          </p:nvPr>
+        </p:nvSpPr>
+        <p:spPr/>
+        <p:txBody>
+          <a:bodyPr/>
+          <a:lstStyle/>
+          <a:p>
+            <a:pPr lvl="0" marL="0" indent="0">
+              <a:buNone/>
+            </a:pPr>
+            <a:r>
+              <a:rPr/>
+              <a:t>Mozilla is a global non-profit dedicated to putting you in control of your online experience and shaping the future of the web for the public good. Visit us at </a:t>
+            </a:r>
+            <a:r>
+              <a:rPr>
+                <a:hlinkClick r:id="rId2"/>
+              </a:rPr>
+              <a:t>mozilla.org</a:t>
+            </a:r>
+          </a:p>
+        </p:txBody>
+      </p:sp>
+    </p:spTree>
+  </p:cSld>
+</p:sld>
+</file>
+
 <file path=ppt/slides/slide2.xml><?xml version="1.0" encoding="utf-8"?>
 <p:sld xmlns:a="http://schemas.openxmlformats.org/drawingml/2006/main" xmlns:r="http://schemas.openxmlformats.org/officeDocument/2006/relationships" xmlns:p="http://schemas.openxmlformats.org/presentationml/2006/main">
   <p:cSld>
@@ -14288,8 +14367,8 @@
         </p:blipFill>
         <p:spPr bwMode="auto">
           <a:xfrm>
-            <a:off x="457200" y="1841500"/>
-            <a:ext cx="8229600" cy="4051300"/>
+            <a:off x="495300" y="1600200"/>
+            <a:ext cx="8153400" cy="4013200"/>
           </a:xfrm>
           <a:prstGeom prst="rect">
             <a:avLst/>
@@ -14302,6 +14381,60 @@
           </a:ln>
         </p:spPr>
       </p:pic>
+      <p:sp>
+        <p:nvSpPr>
+          <p:cNvPr id="1" name="TextBox 3"/>
+          <p:cNvSpPr txBox="1"/>
+          <p:nvPr/>
+        </p:nvSpPr>
+        <p:spPr>
+          <a:xfrm>
+            <a:off x="457200" y="5613400"/>
+            <a:ext cx="8229600" cy="508000"/>
+          </a:xfrm>
+          <a:prstGeom prst="rect">
+            <a:avLst/>
+          </a:prstGeom>
+          <a:noFill/>
+        </p:spPr>
+        <p:txBody>
+          <a:bodyPr/>
+          <a:lstStyle/>
+          <a:p>
+            <a:pPr lvl="0" marL="0" indent="0" algn="ctr">
+              <a:buNone/>
+            </a:pPr>
+            <a:r>
+              <a:rPr/>
+              <a:t>Crowdsourcing</a:t>
+            </a:r>
+            <a:r>
+              <a:rPr/>
+              <a:t> </a:t>
+            </a:r>
+            <a:r>
+              <a:rPr/>
+              <a:t>on</a:t>
+            </a:r>
+            <a:r>
+              <a:rPr/>
+              <a:t> </a:t>
+            </a:r>
+            <a:r>
+              <a:rPr/>
+              <a:t>the</a:t>
+            </a:r>
+            <a:r>
+              <a:rPr/>
+              <a:t> </a:t>
+            </a:r>
+            <a:r>
+              <a:rPr/>
+              <a:t>Web</a:t>
+            </a:r>
+          </a:p>
+        </p:txBody>
+      </p:sp>
     </p:spTree>
   </p:cSld>
 </p:sld>
